--- a/15 - For the Beauty of the Earth.pptx
+++ b/15 - For the Beauty of the Earth.pptx
@@ -244,7 +244,7 @@
           <a:p>
             <a:fld id="{32F7251A-AE54-443C-B8FE-5F636E835EBF}" type="datetimeFigureOut">
               <a:rPr lang="en-US" smtClean="0"/>
-              <a:t>3/10/2019</a:t>
+              <a:t>8/2/2020</a:t>
             </a:fld>
             <a:endParaRPr lang="en-US"/>
           </a:p>
@@ -412,7 +412,7 @@
           <a:p>
             <a:fld id="{32F7251A-AE54-443C-B8FE-5F636E835EBF}" type="datetimeFigureOut">
               <a:rPr lang="en-US" smtClean="0"/>
-              <a:t>3/10/2019</a:t>
+              <a:t>8/2/2020</a:t>
             </a:fld>
             <a:endParaRPr lang="en-US"/>
           </a:p>
@@ -590,7 +590,7 @@
           <a:p>
             <a:fld id="{32F7251A-AE54-443C-B8FE-5F636E835EBF}" type="datetimeFigureOut">
               <a:rPr lang="en-US" smtClean="0"/>
-              <a:t>3/10/2019</a:t>
+              <a:t>8/2/2020</a:t>
             </a:fld>
             <a:endParaRPr lang="en-US"/>
           </a:p>
@@ -758,7 +758,7 @@
           <a:p>
             <a:fld id="{32F7251A-AE54-443C-B8FE-5F636E835EBF}" type="datetimeFigureOut">
               <a:rPr lang="en-US" smtClean="0"/>
-              <a:t>3/10/2019</a:t>
+              <a:t>8/2/2020</a:t>
             </a:fld>
             <a:endParaRPr lang="en-US"/>
           </a:p>
@@ -1003,7 +1003,7 @@
           <a:p>
             <a:fld id="{32F7251A-AE54-443C-B8FE-5F636E835EBF}" type="datetimeFigureOut">
               <a:rPr lang="en-US" smtClean="0"/>
-              <a:t>3/10/2019</a:t>
+              <a:t>8/2/2020</a:t>
             </a:fld>
             <a:endParaRPr lang="en-US"/>
           </a:p>
@@ -1232,7 +1232,7 @@
           <a:p>
             <a:fld id="{32F7251A-AE54-443C-B8FE-5F636E835EBF}" type="datetimeFigureOut">
               <a:rPr lang="en-US" smtClean="0"/>
-              <a:t>3/10/2019</a:t>
+              <a:t>8/2/2020</a:t>
             </a:fld>
             <a:endParaRPr lang="en-US"/>
           </a:p>
@@ -1596,7 +1596,7 @@
           <a:p>
             <a:fld id="{32F7251A-AE54-443C-B8FE-5F636E835EBF}" type="datetimeFigureOut">
               <a:rPr lang="en-US" smtClean="0"/>
-              <a:t>3/10/2019</a:t>
+              <a:t>8/2/2020</a:t>
             </a:fld>
             <a:endParaRPr lang="en-US"/>
           </a:p>
@@ -1713,7 +1713,7 @@
           <a:p>
             <a:fld id="{32F7251A-AE54-443C-B8FE-5F636E835EBF}" type="datetimeFigureOut">
               <a:rPr lang="en-US" smtClean="0"/>
-              <a:t>3/10/2019</a:t>
+              <a:t>8/2/2020</a:t>
             </a:fld>
             <a:endParaRPr lang="en-US"/>
           </a:p>
@@ -1808,7 +1808,7 @@
           <a:p>
             <a:fld id="{32F7251A-AE54-443C-B8FE-5F636E835EBF}" type="datetimeFigureOut">
               <a:rPr lang="en-US" smtClean="0"/>
-              <a:t>3/10/2019</a:t>
+              <a:t>8/2/2020</a:t>
             </a:fld>
             <a:endParaRPr lang="en-US"/>
           </a:p>
@@ -2083,7 +2083,7 @@
           <a:p>
             <a:fld id="{32F7251A-AE54-443C-B8FE-5F636E835EBF}" type="datetimeFigureOut">
               <a:rPr lang="en-US" smtClean="0"/>
-              <a:t>3/10/2019</a:t>
+              <a:t>8/2/2020</a:t>
             </a:fld>
             <a:endParaRPr lang="en-US"/>
           </a:p>
@@ -2335,7 +2335,7 @@
           <a:p>
             <a:fld id="{32F7251A-AE54-443C-B8FE-5F636E835EBF}" type="datetimeFigureOut">
               <a:rPr lang="en-US" smtClean="0"/>
-              <a:t>3/10/2019</a:t>
+              <a:t>8/2/2020</a:t>
             </a:fld>
             <a:endParaRPr lang="en-US"/>
           </a:p>
@@ -2402,7 +2402,9 @@
     <p:bg>
       <p:bgPr>
         <a:solidFill>
-          <a:srgbClr val="333333"/>
+          <a:schemeClr val="bg1">
+            <a:lumMod val="10000"/>
+          </a:schemeClr>
         </a:solidFill>
         <a:effectLst/>
       </p:bgPr>
@@ -2549,7 +2551,7 @@
           <a:p>
             <a:fld id="{32F7251A-AE54-443C-B8FE-5F636E835EBF}" type="datetimeFigureOut">
               <a:rPr lang="en-US" smtClean="0"/>
-              <a:t>3/10/2019</a:t>
+              <a:t>8/2/2020</a:t>
             </a:fld>
             <a:endParaRPr lang="en-US"/>
           </a:p>
@@ -3019,8 +3021,8 @@
         </p:nvSpPr>
         <p:spPr>
           <a:xfrm>
-            <a:off x="0" y="5804209"/>
-            <a:ext cx="12192000" cy="830997"/>
+            <a:off x="0" y="5927320"/>
+            <a:ext cx="12192000" cy="584775"/>
           </a:xfrm>
           <a:prstGeom prst="rect">
             <a:avLst/>
@@ -3035,10 +3037,12 @@
           <a:p>
             <a:pPr algn="ctr"/>
             <a:r>
-              <a:rPr lang="en-US" sz="4800" dirty="0">
+              <a:rPr lang="en-US" sz="3200" u="sng" dirty="0">
                 <a:solidFill>
                   <a:schemeClr val="bg1"/>
                 </a:solidFill>
+                <a:latin typeface="Assistant SemiBold" panose="00000700000000000000" pitchFamily="2" charset="-79"/>
+                <a:cs typeface="Assistant SemiBold" panose="00000700000000000000" pitchFamily="2" charset="-79"/>
               </a:rPr>
               <a:t>“For the Beauty of the Earth”</a:t>
             </a:r>
@@ -3053,8 +3057,8 @@
         </p:nvSpPr>
         <p:spPr>
           <a:xfrm>
-            <a:off x="0" y="785244"/>
-            <a:ext cx="12192000" cy="3970318"/>
+            <a:off x="0" y="1125903"/>
+            <a:ext cx="12192000" cy="3108543"/>
           </a:xfrm>
           <a:prstGeom prst="rect">
             <a:avLst/>
@@ -3069,10 +3073,12 @@
           <a:p>
             <a:pPr algn="ctr"/>
             <a:r>
-              <a:rPr lang="en-US" sz="3600" dirty="0">
+              <a:rPr lang="en-US" sz="2800" spc="50" dirty="0">
                 <a:solidFill>
                   <a:schemeClr val="bg1"/>
                 </a:solidFill>
+                <a:latin typeface="Assistant" panose="00000500000000000000" pitchFamily="2" charset="-79"/>
+                <a:cs typeface="Assistant" panose="00000500000000000000" pitchFamily="2" charset="-79"/>
               </a:rPr>
               <a:t>For the beauty of the Earth,</a:t>
             </a:r>
@@ -3080,10 +3086,12 @@
           <a:p>
             <a:pPr algn="ctr"/>
             <a:r>
-              <a:rPr lang="en-US" sz="3600" dirty="0">
+              <a:rPr lang="en-US" sz="2800" spc="50" dirty="0">
                 <a:solidFill>
                   <a:schemeClr val="bg1"/>
                 </a:solidFill>
+                <a:latin typeface="Assistant" panose="00000500000000000000" pitchFamily="2" charset="-79"/>
+                <a:cs typeface="Assistant" panose="00000500000000000000" pitchFamily="2" charset="-79"/>
               </a:rPr>
               <a:t>For the glory of the skies,</a:t>
             </a:r>
@@ -3091,10 +3099,12 @@
           <a:p>
             <a:pPr algn="ctr"/>
             <a:r>
-              <a:rPr lang="en-US" sz="3600" dirty="0">
+              <a:rPr lang="en-US" sz="2800" spc="50" dirty="0">
                 <a:solidFill>
                   <a:schemeClr val="bg1"/>
                 </a:solidFill>
+                <a:latin typeface="Assistant" panose="00000500000000000000" pitchFamily="2" charset="-79"/>
+                <a:cs typeface="Assistant" panose="00000500000000000000" pitchFamily="2" charset="-79"/>
               </a:rPr>
               <a:t>For the love which from our birth</a:t>
             </a:r>
@@ -3102,29 +3112,35 @@
           <a:p>
             <a:pPr algn="ctr"/>
             <a:r>
-              <a:rPr lang="en-US" sz="3600" dirty="0">
+              <a:rPr lang="en-US" sz="2800" spc="50" dirty="0">
                 <a:solidFill>
                   <a:schemeClr val="bg1"/>
                 </a:solidFill>
+                <a:latin typeface="Assistant" panose="00000500000000000000" pitchFamily="2" charset="-79"/>
+                <a:cs typeface="Assistant" panose="00000500000000000000" pitchFamily="2" charset="-79"/>
               </a:rPr>
               <a:t>Over and around us lies,</a:t>
             </a:r>
           </a:p>
           <a:p>
             <a:pPr algn="ctr"/>
-            <a:endParaRPr lang="en-US" sz="3600" dirty="0">
+            <a:endParaRPr lang="en-US" sz="2800" spc="50" dirty="0">
               <a:solidFill>
                 <a:schemeClr val="bg1"/>
               </a:solidFill>
+              <a:latin typeface="Assistant" panose="00000500000000000000" pitchFamily="2" charset="-79"/>
+              <a:cs typeface="Assistant" panose="00000500000000000000" pitchFamily="2" charset="-79"/>
             </a:endParaRPr>
           </a:p>
           <a:p>
             <a:pPr algn="ctr"/>
             <a:r>
-              <a:rPr lang="en-US" sz="3600" dirty="0">
+              <a:rPr lang="en-US" sz="2800" spc="50" dirty="0">
                 <a:solidFill>
                   <a:schemeClr val="bg1"/>
                 </a:solidFill>
+                <a:latin typeface="Assistant" panose="00000500000000000000" pitchFamily="2" charset="-79"/>
+                <a:cs typeface="Assistant" panose="00000500000000000000" pitchFamily="2" charset="-79"/>
               </a:rPr>
               <a:t>Lord of all, to Thee we raise</a:t>
             </a:r>
@@ -3132,10 +3148,12 @@
           <a:p>
             <a:pPr algn="ctr"/>
             <a:r>
-              <a:rPr lang="en-US" sz="3600" dirty="0">
+              <a:rPr lang="en-US" sz="2800" spc="50" dirty="0">
                 <a:solidFill>
                   <a:schemeClr val="bg1"/>
                 </a:solidFill>
+                <a:latin typeface="Assistant" panose="00000500000000000000" pitchFamily="2" charset="-79"/>
+                <a:cs typeface="Assistant" panose="00000500000000000000" pitchFamily="2" charset="-79"/>
               </a:rPr>
               <a:t>This, our hymn of grateful praise.</a:t>
             </a:r>
@@ -3237,8 +3255,8 @@
         </p:nvSpPr>
         <p:spPr>
           <a:xfrm>
-            <a:off x="0" y="5804209"/>
-            <a:ext cx="12192000" cy="830997"/>
+            <a:off x="0" y="5927320"/>
+            <a:ext cx="12192000" cy="584775"/>
           </a:xfrm>
           <a:prstGeom prst="rect">
             <a:avLst/>
@@ -3253,10 +3271,12 @@
           <a:p>
             <a:pPr algn="ctr"/>
             <a:r>
-              <a:rPr lang="en-US" sz="4800" dirty="0">
+              <a:rPr lang="en-US" sz="3200" u="sng" dirty="0">
                 <a:solidFill>
                   <a:schemeClr val="bg1"/>
                 </a:solidFill>
+                <a:latin typeface="Assistant SemiBold" panose="00000700000000000000" pitchFamily="2" charset="-79"/>
+                <a:cs typeface="Assistant SemiBold" panose="00000700000000000000" pitchFamily="2" charset="-79"/>
               </a:rPr>
               <a:t>“For the Beauty of the Earth”</a:t>
             </a:r>
@@ -3271,8 +3291,8 @@
         </p:nvSpPr>
         <p:spPr>
           <a:xfrm>
-            <a:off x="0" y="785244"/>
-            <a:ext cx="12192000" cy="3970318"/>
+            <a:off x="0" y="1161762"/>
+            <a:ext cx="12192000" cy="3108543"/>
           </a:xfrm>
           <a:prstGeom prst="rect">
             <a:avLst/>
@@ -3287,10 +3307,12 @@
           <a:p>
             <a:pPr algn="ctr"/>
             <a:r>
-              <a:rPr lang="en-US" sz="3600" dirty="0">
+              <a:rPr lang="en-US" sz="2800" spc="50" dirty="0">
                 <a:solidFill>
                   <a:schemeClr val="bg1"/>
                 </a:solidFill>
+                <a:latin typeface="Assistant" panose="00000500000000000000" pitchFamily="2" charset="-79"/>
+                <a:cs typeface="Assistant" panose="00000500000000000000" pitchFamily="2" charset="-79"/>
               </a:rPr>
               <a:t>For the joy of human love,</a:t>
             </a:r>
@@ -3298,10 +3320,12 @@
           <a:p>
             <a:pPr algn="ctr"/>
             <a:r>
-              <a:rPr lang="en-US" sz="3600" dirty="0">
+              <a:rPr lang="en-US" sz="2800" spc="50" dirty="0">
                 <a:solidFill>
                   <a:schemeClr val="bg1"/>
                 </a:solidFill>
+                <a:latin typeface="Assistant" panose="00000500000000000000" pitchFamily="2" charset="-79"/>
+                <a:cs typeface="Assistant" panose="00000500000000000000" pitchFamily="2" charset="-79"/>
               </a:rPr>
               <a:t>Brother, sister, parent, child,</a:t>
             </a:r>
@@ -3309,10 +3333,12 @@
           <a:p>
             <a:pPr algn="ctr"/>
             <a:r>
-              <a:rPr lang="en-US" sz="3600" dirty="0">
+              <a:rPr lang="en-US" sz="2800" spc="50" dirty="0">
                 <a:solidFill>
                   <a:schemeClr val="bg1"/>
                 </a:solidFill>
+                <a:latin typeface="Assistant" panose="00000500000000000000" pitchFamily="2" charset="-79"/>
+                <a:cs typeface="Assistant" panose="00000500000000000000" pitchFamily="2" charset="-79"/>
               </a:rPr>
               <a:t>Friends on Earth and friends above,</a:t>
             </a:r>
@@ -3320,29 +3346,35 @@
           <a:p>
             <a:pPr algn="ctr"/>
             <a:r>
-              <a:rPr lang="en-US" sz="3600" dirty="0">
+              <a:rPr lang="en-US" sz="2800" spc="50" dirty="0">
                 <a:solidFill>
                   <a:schemeClr val="bg1"/>
                 </a:solidFill>
+                <a:latin typeface="Assistant" panose="00000500000000000000" pitchFamily="2" charset="-79"/>
+                <a:cs typeface="Assistant" panose="00000500000000000000" pitchFamily="2" charset="-79"/>
               </a:rPr>
               <a:t>For all gentle thoughts and mild.</a:t>
             </a:r>
           </a:p>
           <a:p>
             <a:pPr algn="ctr"/>
-            <a:endParaRPr lang="en-US" sz="3600" dirty="0">
+            <a:endParaRPr lang="en-US" sz="2800" spc="50" dirty="0">
               <a:solidFill>
                 <a:schemeClr val="bg1"/>
               </a:solidFill>
+              <a:latin typeface="Assistant" panose="00000500000000000000" pitchFamily="2" charset="-79"/>
+              <a:cs typeface="Assistant" panose="00000500000000000000" pitchFamily="2" charset="-79"/>
             </a:endParaRPr>
           </a:p>
           <a:p>
             <a:pPr algn="ctr"/>
             <a:r>
-              <a:rPr lang="en-US" sz="3600" dirty="0">
+              <a:rPr lang="en-US" sz="2800" spc="50" dirty="0">
                 <a:solidFill>
                   <a:schemeClr val="bg1"/>
                 </a:solidFill>
+                <a:latin typeface="Assistant" panose="00000500000000000000" pitchFamily="2" charset="-79"/>
+                <a:cs typeface="Assistant" panose="00000500000000000000" pitchFamily="2" charset="-79"/>
               </a:rPr>
               <a:t>Lord of all, to Thee we raise</a:t>
             </a:r>
@@ -3350,10 +3382,12 @@
           <a:p>
             <a:pPr algn="ctr"/>
             <a:r>
-              <a:rPr lang="en-US" sz="3600" dirty="0">
+              <a:rPr lang="en-US" sz="2800" spc="50" dirty="0">
                 <a:solidFill>
                   <a:schemeClr val="bg1"/>
                 </a:solidFill>
+                <a:latin typeface="Assistant" panose="00000500000000000000" pitchFamily="2" charset="-79"/>
+                <a:cs typeface="Assistant" panose="00000500000000000000" pitchFamily="2" charset="-79"/>
               </a:rPr>
               <a:t>This, our hymn of grateful praise.</a:t>
             </a:r>
@@ -3455,8 +3489,8 @@
         </p:nvSpPr>
         <p:spPr>
           <a:xfrm>
-            <a:off x="0" y="5804209"/>
-            <a:ext cx="12192000" cy="830997"/>
+            <a:off x="0" y="5927320"/>
+            <a:ext cx="12192000" cy="584775"/>
           </a:xfrm>
           <a:prstGeom prst="rect">
             <a:avLst/>
@@ -3471,10 +3505,12 @@
           <a:p>
             <a:pPr algn="ctr"/>
             <a:r>
-              <a:rPr lang="en-US" sz="4800" dirty="0">
+              <a:rPr lang="en-US" sz="3200" u="sng" dirty="0">
                 <a:solidFill>
                   <a:schemeClr val="bg1"/>
                 </a:solidFill>
+                <a:latin typeface="Assistant SemiBold" panose="00000700000000000000" pitchFamily="2" charset="-79"/>
+                <a:cs typeface="Assistant SemiBold" panose="00000700000000000000" pitchFamily="2" charset="-79"/>
               </a:rPr>
               <a:t>“For the Beauty of the Earth”</a:t>
             </a:r>
@@ -3489,8 +3525,8 @@
         </p:nvSpPr>
         <p:spPr>
           <a:xfrm>
-            <a:off x="0" y="785244"/>
-            <a:ext cx="12192000" cy="3970318"/>
+            <a:off x="0" y="1197620"/>
+            <a:ext cx="12192000" cy="3108543"/>
           </a:xfrm>
           <a:prstGeom prst="rect">
             <a:avLst/>
@@ -3505,10 +3541,12 @@
           <a:p>
             <a:pPr algn="ctr"/>
             <a:r>
-              <a:rPr lang="en-US" sz="3600" dirty="0">
+              <a:rPr lang="en-US" sz="2800" spc="50" dirty="0">
                 <a:solidFill>
                   <a:schemeClr val="bg1"/>
                 </a:solidFill>
+                <a:latin typeface="Assistant" panose="00000500000000000000" pitchFamily="2" charset="-79"/>
+                <a:cs typeface="Assistant" panose="00000500000000000000" pitchFamily="2" charset="-79"/>
               </a:rPr>
               <a:t>For Thy church that evermore</a:t>
             </a:r>
@@ -3516,18 +3554,22 @@
           <a:p>
             <a:pPr algn="ctr"/>
             <a:r>
-              <a:rPr lang="en-US" sz="3600" dirty="0" err="1">
+              <a:rPr lang="en-US" sz="2800" spc="50" dirty="0" err="1">
                 <a:solidFill>
                   <a:schemeClr val="bg1"/>
                 </a:solidFill>
+                <a:latin typeface="Assistant" panose="00000500000000000000" pitchFamily="2" charset="-79"/>
+                <a:cs typeface="Assistant" panose="00000500000000000000" pitchFamily="2" charset="-79"/>
               </a:rPr>
               <a:t>Lifteth</a:t>
             </a:r>
             <a:r>
-              <a:rPr lang="en-US" sz="3600" dirty="0">
+              <a:rPr lang="en-US" sz="2800" spc="50" dirty="0">
                 <a:solidFill>
                   <a:schemeClr val="bg1"/>
                 </a:solidFill>
+                <a:latin typeface="Assistant" panose="00000500000000000000" pitchFamily="2" charset="-79"/>
+                <a:cs typeface="Assistant" panose="00000500000000000000" pitchFamily="2" charset="-79"/>
               </a:rPr>
               <a:t> holy hands above,</a:t>
             </a:r>
@@ -3535,10 +3577,12 @@
           <a:p>
             <a:pPr algn="ctr"/>
             <a:r>
-              <a:rPr lang="en-US" sz="3600" dirty="0">
+              <a:rPr lang="en-US" sz="2800" spc="50" dirty="0">
                 <a:solidFill>
                   <a:schemeClr val="bg1"/>
                 </a:solidFill>
+                <a:latin typeface="Assistant" panose="00000500000000000000" pitchFamily="2" charset="-79"/>
+                <a:cs typeface="Assistant" panose="00000500000000000000" pitchFamily="2" charset="-79"/>
               </a:rPr>
               <a:t>Offering up on every shore</a:t>
             </a:r>
@@ -3546,29 +3590,35 @@
           <a:p>
             <a:pPr algn="ctr"/>
             <a:r>
-              <a:rPr lang="en-US" sz="3600" dirty="0">
+              <a:rPr lang="en-US" sz="2800" spc="50" dirty="0">
                 <a:solidFill>
                   <a:schemeClr val="bg1"/>
                 </a:solidFill>
+                <a:latin typeface="Assistant" panose="00000500000000000000" pitchFamily="2" charset="-79"/>
+                <a:cs typeface="Assistant" panose="00000500000000000000" pitchFamily="2" charset="-79"/>
               </a:rPr>
               <a:t>Her pure sacrifice of love,</a:t>
             </a:r>
           </a:p>
           <a:p>
             <a:pPr algn="ctr"/>
-            <a:endParaRPr lang="en-US" sz="3600" dirty="0">
+            <a:endParaRPr lang="en-US" sz="2800" spc="50" dirty="0">
               <a:solidFill>
                 <a:schemeClr val="bg1"/>
               </a:solidFill>
+              <a:latin typeface="Assistant" panose="00000500000000000000" pitchFamily="2" charset="-79"/>
+              <a:cs typeface="Assistant" panose="00000500000000000000" pitchFamily="2" charset="-79"/>
             </a:endParaRPr>
           </a:p>
           <a:p>
             <a:pPr algn="ctr"/>
             <a:r>
-              <a:rPr lang="en-US" sz="3600" dirty="0">
+              <a:rPr lang="en-US" sz="2800" spc="50" dirty="0">
                 <a:solidFill>
                   <a:schemeClr val="bg1"/>
                 </a:solidFill>
+                <a:latin typeface="Assistant" panose="00000500000000000000" pitchFamily="2" charset="-79"/>
+                <a:cs typeface="Assistant" panose="00000500000000000000" pitchFamily="2" charset="-79"/>
               </a:rPr>
               <a:t>Lord of all, to Thee we raise</a:t>
             </a:r>
@@ -3576,10 +3626,12 @@
           <a:p>
             <a:pPr algn="ctr"/>
             <a:r>
-              <a:rPr lang="en-US" sz="3600" dirty="0">
+              <a:rPr lang="en-US" sz="2800" spc="50" dirty="0">
                 <a:solidFill>
                   <a:schemeClr val="bg1"/>
                 </a:solidFill>
+                <a:latin typeface="Assistant" panose="00000500000000000000" pitchFamily="2" charset="-79"/>
+                <a:cs typeface="Assistant" panose="00000500000000000000" pitchFamily="2" charset="-79"/>
               </a:rPr>
               <a:t>This, our hymn of grateful praise.</a:t>
             </a:r>
@@ -3681,8 +3733,8 @@
         </p:nvSpPr>
         <p:spPr>
           <a:xfrm>
-            <a:off x="0" y="5804209"/>
-            <a:ext cx="12192000" cy="830997"/>
+            <a:off x="0" y="5927320"/>
+            <a:ext cx="12192000" cy="584775"/>
           </a:xfrm>
           <a:prstGeom prst="rect">
             <a:avLst/>
@@ -3697,10 +3749,12 @@
           <a:p>
             <a:pPr algn="ctr"/>
             <a:r>
-              <a:rPr lang="en-US" sz="4800" dirty="0">
+              <a:rPr lang="en-US" sz="3200" u="sng" dirty="0">
                 <a:solidFill>
                   <a:schemeClr val="bg1"/>
                 </a:solidFill>
+                <a:latin typeface="Assistant SemiBold" panose="00000700000000000000" pitchFamily="2" charset="-79"/>
+                <a:cs typeface="Assistant SemiBold" panose="00000700000000000000" pitchFamily="2" charset="-79"/>
               </a:rPr>
               <a:t>“For the Beauty of the Earth”</a:t>
             </a:r>
@@ -3715,8 +3769,8 @@
         </p:nvSpPr>
         <p:spPr>
           <a:xfrm>
-            <a:off x="0" y="785244"/>
-            <a:ext cx="12192000" cy="3970318"/>
+            <a:off x="0" y="1215550"/>
+            <a:ext cx="12192000" cy="3108543"/>
           </a:xfrm>
           <a:prstGeom prst="rect">
             <a:avLst/>
@@ -3731,10 +3785,12 @@
           <a:p>
             <a:pPr algn="ctr"/>
             <a:r>
-              <a:rPr lang="en-US" sz="3600" dirty="0">
+              <a:rPr lang="en-US" sz="2800" spc="50" dirty="0">
                 <a:solidFill>
                   <a:schemeClr val="bg1"/>
                 </a:solidFill>
+                <a:latin typeface="Assistant" panose="00000500000000000000" pitchFamily="2" charset="-79"/>
+                <a:cs typeface="Assistant" panose="00000500000000000000" pitchFamily="2" charset="-79"/>
               </a:rPr>
               <a:t>For Thyself, best Give Divine</a:t>
             </a:r>
@@ -3742,10 +3798,12 @@
           <a:p>
             <a:pPr algn="ctr"/>
             <a:r>
-              <a:rPr lang="en-US" sz="3600" dirty="0">
+              <a:rPr lang="en-US" sz="2800" spc="50" dirty="0">
                 <a:solidFill>
                   <a:schemeClr val="bg1"/>
                 </a:solidFill>
+                <a:latin typeface="Assistant" panose="00000500000000000000" pitchFamily="2" charset="-79"/>
+                <a:cs typeface="Assistant" panose="00000500000000000000" pitchFamily="2" charset="-79"/>
               </a:rPr>
               <a:t>To our race so freely given!</a:t>
             </a:r>
@@ -3753,10 +3811,12 @@
           <a:p>
             <a:pPr algn="ctr"/>
             <a:r>
-              <a:rPr lang="en-US" sz="3600" dirty="0">
+              <a:rPr lang="en-US" sz="2800" spc="50" dirty="0">
                 <a:solidFill>
                   <a:schemeClr val="bg1"/>
                 </a:solidFill>
+                <a:latin typeface="Assistant" panose="00000500000000000000" pitchFamily="2" charset="-79"/>
+                <a:cs typeface="Assistant" panose="00000500000000000000" pitchFamily="2" charset="-79"/>
               </a:rPr>
               <a:t>For that great, great love of Thine,</a:t>
             </a:r>
@@ -3764,29 +3824,35 @@
           <a:p>
             <a:pPr algn="ctr"/>
             <a:r>
-              <a:rPr lang="en-US" sz="3600" dirty="0">
+              <a:rPr lang="en-US" sz="2800" spc="50" dirty="0">
                 <a:solidFill>
                   <a:schemeClr val="bg1"/>
                 </a:solidFill>
+                <a:latin typeface="Assistant" panose="00000500000000000000" pitchFamily="2" charset="-79"/>
+                <a:cs typeface="Assistant" panose="00000500000000000000" pitchFamily="2" charset="-79"/>
               </a:rPr>
               <a:t>Peace on Earth and joy in Heaven.</a:t>
             </a:r>
           </a:p>
           <a:p>
             <a:pPr algn="ctr"/>
-            <a:endParaRPr lang="en-US" sz="3600" dirty="0">
+            <a:endParaRPr lang="en-US" sz="2800" spc="50" dirty="0">
               <a:solidFill>
                 <a:schemeClr val="bg1"/>
               </a:solidFill>
+              <a:latin typeface="Assistant" panose="00000500000000000000" pitchFamily="2" charset="-79"/>
+              <a:cs typeface="Assistant" panose="00000500000000000000" pitchFamily="2" charset="-79"/>
             </a:endParaRPr>
           </a:p>
           <a:p>
             <a:pPr algn="ctr"/>
             <a:r>
-              <a:rPr lang="en-US" sz="3600" dirty="0">
+              <a:rPr lang="en-US" sz="2800" spc="50" dirty="0">
                 <a:solidFill>
                   <a:schemeClr val="bg1"/>
                 </a:solidFill>
+                <a:latin typeface="Assistant" panose="00000500000000000000" pitchFamily="2" charset="-79"/>
+                <a:cs typeface="Assistant" panose="00000500000000000000" pitchFamily="2" charset="-79"/>
               </a:rPr>
               <a:t>Lord of all, to Thee we raise</a:t>
             </a:r>
@@ -3794,10 +3860,12 @@
           <a:p>
             <a:pPr algn="ctr"/>
             <a:r>
-              <a:rPr lang="en-US" sz="3600" dirty="0">
+              <a:rPr lang="en-US" sz="2800" spc="50" dirty="0">
                 <a:solidFill>
                   <a:schemeClr val="bg1"/>
                 </a:solidFill>
+                <a:latin typeface="Assistant" panose="00000500000000000000" pitchFamily="2" charset="-79"/>
+                <a:cs typeface="Assistant" panose="00000500000000000000" pitchFamily="2" charset="-79"/>
               </a:rPr>
               <a:t>This, our hymn of grateful praise.</a:t>
             </a:r>

--- a/15 - For the Beauty of the Earth.pptx
+++ b/15 - For the Beauty of the Earth.pptx
@@ -244,7 +244,7 @@
           <a:p>
             <a:fld id="{32F7251A-AE54-443C-B8FE-5F636E835EBF}" type="datetimeFigureOut">
               <a:rPr lang="en-US" smtClean="0"/>
-              <a:t>8/2/2020</a:t>
+              <a:t>11/15/2020</a:t>
             </a:fld>
             <a:endParaRPr lang="en-US"/>
           </a:p>
@@ -412,7 +412,7 @@
           <a:p>
             <a:fld id="{32F7251A-AE54-443C-B8FE-5F636E835EBF}" type="datetimeFigureOut">
               <a:rPr lang="en-US" smtClean="0"/>
-              <a:t>8/2/2020</a:t>
+              <a:t>11/15/2020</a:t>
             </a:fld>
             <a:endParaRPr lang="en-US"/>
           </a:p>
@@ -590,7 +590,7 @@
           <a:p>
             <a:fld id="{32F7251A-AE54-443C-B8FE-5F636E835EBF}" type="datetimeFigureOut">
               <a:rPr lang="en-US" smtClean="0"/>
-              <a:t>8/2/2020</a:t>
+              <a:t>11/15/2020</a:t>
             </a:fld>
             <a:endParaRPr lang="en-US"/>
           </a:p>
@@ -758,7 +758,7 @@
           <a:p>
             <a:fld id="{32F7251A-AE54-443C-B8FE-5F636E835EBF}" type="datetimeFigureOut">
               <a:rPr lang="en-US" smtClean="0"/>
-              <a:t>8/2/2020</a:t>
+              <a:t>11/15/2020</a:t>
             </a:fld>
             <a:endParaRPr lang="en-US"/>
           </a:p>
@@ -1003,7 +1003,7 @@
           <a:p>
             <a:fld id="{32F7251A-AE54-443C-B8FE-5F636E835EBF}" type="datetimeFigureOut">
               <a:rPr lang="en-US" smtClean="0"/>
-              <a:t>8/2/2020</a:t>
+              <a:t>11/15/2020</a:t>
             </a:fld>
             <a:endParaRPr lang="en-US"/>
           </a:p>
@@ -1232,7 +1232,7 @@
           <a:p>
             <a:fld id="{32F7251A-AE54-443C-B8FE-5F636E835EBF}" type="datetimeFigureOut">
               <a:rPr lang="en-US" smtClean="0"/>
-              <a:t>8/2/2020</a:t>
+              <a:t>11/15/2020</a:t>
             </a:fld>
             <a:endParaRPr lang="en-US"/>
           </a:p>
@@ -1596,7 +1596,7 @@
           <a:p>
             <a:fld id="{32F7251A-AE54-443C-B8FE-5F636E835EBF}" type="datetimeFigureOut">
               <a:rPr lang="en-US" smtClean="0"/>
-              <a:t>8/2/2020</a:t>
+              <a:t>11/15/2020</a:t>
             </a:fld>
             <a:endParaRPr lang="en-US"/>
           </a:p>
@@ -1713,7 +1713,7 @@
           <a:p>
             <a:fld id="{32F7251A-AE54-443C-B8FE-5F636E835EBF}" type="datetimeFigureOut">
               <a:rPr lang="en-US" smtClean="0"/>
-              <a:t>8/2/2020</a:t>
+              <a:t>11/15/2020</a:t>
             </a:fld>
             <a:endParaRPr lang="en-US"/>
           </a:p>
@@ -1808,7 +1808,7 @@
           <a:p>
             <a:fld id="{32F7251A-AE54-443C-B8FE-5F636E835EBF}" type="datetimeFigureOut">
               <a:rPr lang="en-US" smtClean="0"/>
-              <a:t>8/2/2020</a:t>
+              <a:t>11/15/2020</a:t>
             </a:fld>
             <a:endParaRPr lang="en-US"/>
           </a:p>
@@ -2083,7 +2083,7 @@
           <a:p>
             <a:fld id="{32F7251A-AE54-443C-B8FE-5F636E835EBF}" type="datetimeFigureOut">
               <a:rPr lang="en-US" smtClean="0"/>
-              <a:t>8/2/2020</a:t>
+              <a:t>11/15/2020</a:t>
             </a:fld>
             <a:endParaRPr lang="en-US"/>
           </a:p>
@@ -2335,7 +2335,7 @@
           <a:p>
             <a:fld id="{32F7251A-AE54-443C-B8FE-5F636E835EBF}" type="datetimeFigureOut">
               <a:rPr lang="en-US" smtClean="0"/>
-              <a:t>8/2/2020</a:t>
+              <a:t>11/15/2020</a:t>
             </a:fld>
             <a:endParaRPr lang="en-US"/>
           </a:p>
@@ -2551,7 +2551,7 @@
           <a:p>
             <a:fld id="{32F7251A-AE54-443C-B8FE-5F636E835EBF}" type="datetimeFigureOut">
               <a:rPr lang="en-US" smtClean="0"/>
-              <a:t>8/2/2020</a:t>
+              <a:t>11/15/2020</a:t>
             </a:fld>
             <a:endParaRPr lang="en-US"/>
           </a:p>
@@ -3792,7 +3792,27 @@
                 <a:latin typeface="Assistant" panose="00000500000000000000" pitchFamily="2" charset="-79"/>
                 <a:cs typeface="Assistant" panose="00000500000000000000" pitchFamily="2" charset="-79"/>
               </a:rPr>
-              <a:t>For Thyself, best Give Divine</a:t>
+              <a:t>For Thyself, </a:t>
+            </a:r>
+            <a:r>
+              <a:rPr lang="en-US" sz="2800" spc="50">
+                <a:solidFill>
+                  <a:schemeClr val="bg1"/>
+                </a:solidFill>
+                <a:latin typeface="Assistant" panose="00000500000000000000" pitchFamily="2" charset="-79"/>
+                <a:cs typeface="Assistant" panose="00000500000000000000" pitchFamily="2" charset="-79"/>
+              </a:rPr>
+              <a:t>best Gift </a:t>
+            </a:r>
+            <a:r>
+              <a:rPr lang="en-US" sz="2800" spc="50" dirty="0">
+                <a:solidFill>
+                  <a:schemeClr val="bg1"/>
+                </a:solidFill>
+                <a:latin typeface="Assistant" panose="00000500000000000000" pitchFamily="2" charset="-79"/>
+                <a:cs typeface="Assistant" panose="00000500000000000000" pitchFamily="2" charset="-79"/>
+              </a:rPr>
+              <a:t>Divine</a:t>
             </a:r>
           </a:p>
           <a:p>
